--- a/PRESENTACION/Presentacion.pptx
+++ b/PRESENTACION/Presentacion.pptx
@@ -5,16 +5,18 @@
     <p:sldMasterId id="2147483840" r:id="rId1"/>
   </p:sldMasterIdLst>
   <p:notesMasterIdLst>
-    <p:notesMasterId r:id="rId9"/>
+    <p:notesMasterId r:id="rId11"/>
   </p:notesMasterIdLst>
   <p:sldIdLst>
     <p:sldId id="256" r:id="rId2"/>
     <p:sldId id="257" r:id="rId3"/>
-    <p:sldId id="262" r:id="rId4"/>
-    <p:sldId id="258" r:id="rId5"/>
-    <p:sldId id="259" r:id="rId6"/>
-    <p:sldId id="260" r:id="rId7"/>
-    <p:sldId id="261" r:id="rId8"/>
+    <p:sldId id="263" r:id="rId4"/>
+    <p:sldId id="262" r:id="rId5"/>
+    <p:sldId id="258" r:id="rId6"/>
+    <p:sldId id="259" r:id="rId7"/>
+    <p:sldId id="260" r:id="rId8"/>
+    <p:sldId id="261" r:id="rId9"/>
+    <p:sldId id="264" r:id="rId10"/>
   </p:sldIdLst>
   <p:sldSz cx="12192000" cy="6858000"/>
   <p:notesSz cx="6858000" cy="9144000"/>
@@ -113,6 +115,11 @@
       </a:defRPr>
     </a:lvl9pPr>
   </p:defaultTextStyle>
+  <p:extLst>
+    <p:ext uri="{EFAFB233-063F-42B5-8137-9DF3F51BA10A}">
+      <p15:sldGuideLst xmlns:p15="http://schemas.microsoft.com/office/powerpoint/2012/main"/>
+    </p:ext>
+  </p:extLst>
 </p:presentation>
 </file>
 
@@ -4229,7 +4236,7 @@
           <a:p>
             <a:r>
               <a:rPr lang="es-ES" dirty="0" smtClean="0"/>
-              <a:t>Detección. Aeronaves.</a:t>
+              <a:t>Detección. Estrategia.</a:t>
             </a:r>
             <a:endParaRPr lang="es-ES" dirty="0"/>
           </a:p>
@@ -4251,156 +4258,23 @@
           <a:lstStyle/>
           <a:p>
             <a:r>
-              <a:rPr lang="es-ES" b="1" dirty="0" smtClean="0">
-                <a:solidFill>
-                  <a:schemeClr val="accent1"/>
-                </a:solidFill>
-              </a:rPr>
-              <a:t>Patrulleros</a:t>
-            </a:r>
-            <a:r>
-              <a:rPr lang="es-ES" dirty="0" smtClean="0"/>
-              <a:t>: </a:t>
-            </a:r>
-          </a:p>
-          <a:p>
-            <a:pPr lvl="1"/>
-            <a:r>
-              <a:rPr lang="es-ES" dirty="0" smtClean="0">
-                <a:solidFill>
-                  <a:schemeClr val="accent1"/>
-                </a:solidFill>
-              </a:rPr>
-              <a:t>Tipo</a:t>
-            </a:r>
-            <a:r>
-              <a:rPr lang="es-ES" dirty="0" smtClean="0"/>
-              <a:t>: </a:t>
-            </a:r>
-            <a:r>
-              <a:rPr lang="es-ES" dirty="0" err="1" smtClean="0"/>
-              <a:t>Fying</a:t>
-            </a:r>
-            <a:r>
-              <a:rPr lang="es-ES" dirty="0" smtClean="0"/>
-              <a:t> </a:t>
-            </a:r>
-            <a:r>
-              <a:rPr lang="es-ES" dirty="0" err="1" smtClean="0"/>
-              <a:t>wing</a:t>
-            </a:r>
-            <a:r>
-              <a:rPr lang="es-ES" dirty="0" smtClean="0"/>
-              <a:t> autónomo.</a:t>
-            </a:r>
-          </a:p>
-          <a:p>
-            <a:pPr lvl="1"/>
-            <a:r>
-              <a:rPr lang="es-ES" dirty="0" smtClean="0">
-                <a:solidFill>
-                  <a:schemeClr val="accent1"/>
-                </a:solidFill>
-              </a:rPr>
-              <a:t>Autonomía/Rango</a:t>
-            </a:r>
-            <a:r>
-              <a:rPr lang="es-ES" dirty="0" smtClean="0"/>
-              <a:t>: 4 horas / </a:t>
-            </a:r>
-          </a:p>
-          <a:p>
-            <a:pPr lvl="1"/>
-            <a:r>
-              <a:rPr lang="es-ES" dirty="0" smtClean="0">
-                <a:solidFill>
-                  <a:schemeClr val="accent1"/>
-                </a:solidFill>
-              </a:rPr>
-              <a:t>Equipo</a:t>
-            </a:r>
-            <a:r>
-              <a:rPr lang="es-ES" smtClean="0"/>
-              <a:t>: Cámara </a:t>
-            </a:r>
-            <a:r>
-              <a:rPr lang="es-ES" dirty="0" smtClean="0"/>
-              <a:t>térmica </a:t>
-            </a:r>
-          </a:p>
-          <a:p>
-            <a:pPr lvl="1"/>
-            <a:r>
-              <a:rPr lang="es-ES" dirty="0" smtClean="0">
-                <a:solidFill>
-                  <a:schemeClr val="accent1"/>
-                </a:solidFill>
-              </a:rPr>
-              <a:t>Coste: </a:t>
-            </a:r>
-          </a:p>
-          <a:p>
-            <a:r>
-              <a:rPr lang="es-ES" b="1" dirty="0" smtClean="0">
-                <a:solidFill>
-                  <a:schemeClr val="accent1"/>
-                </a:solidFill>
-              </a:rPr>
-              <a:t>Analizadores</a:t>
-            </a:r>
-            <a:r>
-              <a:rPr lang="es-ES" dirty="0" smtClean="0"/>
-              <a:t>:</a:t>
-            </a:r>
-          </a:p>
-          <a:p>
-            <a:pPr lvl="1"/>
-            <a:r>
-              <a:rPr lang="es-ES" dirty="0" smtClean="0"/>
-              <a:t>Tipo</a:t>
-            </a:r>
-          </a:p>
-          <a:p>
-            <a:pPr lvl="1"/>
-            <a:r>
-              <a:rPr lang="es-ES" dirty="0" smtClean="0"/>
-              <a:t>Autonomía</a:t>
-            </a:r>
-          </a:p>
-          <a:p>
-            <a:pPr lvl="1"/>
-            <a:r>
-              <a:rPr lang="es-ES" dirty="0" smtClean="0"/>
-              <a:t>Equipo</a:t>
-            </a:r>
-          </a:p>
-          <a:p>
-            <a:pPr lvl="1"/>
-            <a:r>
-              <a:rPr lang="es-ES" dirty="0" smtClean="0"/>
-              <a:t>Coste</a:t>
-            </a:r>
-            <a:endParaRPr lang="es-ES" dirty="0"/>
+              <a:rPr lang="en-GB" dirty="0" err="1" smtClean="0"/>
+              <a:t>Diagrama</a:t>
+            </a:r>
+            <a:endParaRPr lang="en-GB" dirty="0"/>
           </a:p>
         </p:txBody>
       </p:sp>
     </p:spTree>
     <p:extLst>
       <p:ext uri="{BB962C8B-B14F-4D97-AF65-F5344CB8AC3E}">
-        <p14:creationId xmlns:p14="http://schemas.microsoft.com/office/powerpoint/2010/main" val="1853760098"/>
+        <p14:creationId xmlns:p14="http://schemas.microsoft.com/office/powerpoint/2010/main" val="1626791373"/>
       </p:ext>
     </p:extLst>
   </p:cSld>
   <p:clrMapOvr>
     <a:masterClrMapping/>
   </p:clrMapOvr>
-  <p:timing>
-    <p:tnLst>
-      <p:par>
-        <p:cTn id="1" dur="indefinite" restart="never" nodeType="tmRoot"/>
-      </p:par>
-    </p:tnLst>
-  </p:timing>
 </p:sld>
 </file>
 
@@ -4438,7 +4312,7 @@
           <a:p>
             <a:r>
               <a:rPr lang="es-ES" dirty="0" smtClean="0"/>
-              <a:t>Análisis</a:t>
+              <a:t>Detección. Aeronaves.</a:t>
             </a:r>
             <a:endParaRPr lang="es-ES" dirty="0"/>
           </a:p>
@@ -4454,19 +4328,216 @@
             <p:ph idx="1"/>
           </p:nvPr>
         </p:nvSpPr>
-        <p:spPr/>
-        <p:txBody>
-          <a:bodyPr/>
-          <a:lstStyle/>
-          <a:p>
-            <a:endParaRPr lang="en-GB"/>
+        <p:spPr>
+          <a:xfrm>
+            <a:off x="3869267" y="864108"/>
+            <a:ext cx="7676187" cy="5120640"/>
+          </a:xfrm>
+        </p:spPr>
+        <p:txBody>
+          <a:bodyPr/>
+          <a:lstStyle/>
+          <a:p>
+            <a:r>
+              <a:rPr lang="es-ES" b="1" dirty="0" smtClean="0">
+                <a:solidFill>
+                  <a:schemeClr val="accent1"/>
+                </a:solidFill>
+              </a:rPr>
+              <a:t>Patrulleros</a:t>
+            </a:r>
+            <a:r>
+              <a:rPr lang="es-ES" dirty="0" smtClean="0"/>
+              <a:t>: </a:t>
+            </a:r>
+          </a:p>
+          <a:p>
+            <a:pPr lvl="1"/>
+            <a:r>
+              <a:rPr lang="es-ES" dirty="0" smtClean="0">
+                <a:solidFill>
+                  <a:schemeClr val="accent1"/>
+                </a:solidFill>
+              </a:rPr>
+              <a:t>Tipo</a:t>
+            </a:r>
+            <a:r>
+              <a:rPr lang="es-ES" dirty="0" smtClean="0"/>
+              <a:t>: </a:t>
+            </a:r>
+            <a:r>
+              <a:rPr lang="es-ES" dirty="0" err="1" smtClean="0"/>
+              <a:t>Fying</a:t>
+            </a:r>
+            <a:r>
+              <a:rPr lang="es-ES" dirty="0" smtClean="0"/>
+              <a:t> </a:t>
+            </a:r>
+            <a:r>
+              <a:rPr lang="es-ES" dirty="0" err="1" smtClean="0"/>
+              <a:t>wing</a:t>
+            </a:r>
+            <a:r>
+              <a:rPr lang="es-ES" dirty="0" smtClean="0"/>
+              <a:t> autónomo.</a:t>
+            </a:r>
+          </a:p>
+          <a:p>
+            <a:pPr lvl="1"/>
+            <a:r>
+              <a:rPr lang="es-ES" dirty="0" smtClean="0">
+                <a:solidFill>
+                  <a:schemeClr val="accent1"/>
+                </a:solidFill>
+              </a:rPr>
+              <a:t>Autonomía/Rango</a:t>
+            </a:r>
+            <a:r>
+              <a:rPr lang="es-ES" dirty="0" smtClean="0"/>
+              <a:t>: 4 horas </a:t>
+            </a:r>
+            <a:r>
+              <a:rPr lang="es-ES" dirty="0" smtClean="0"/>
+              <a:t>/ 140km </a:t>
+            </a:r>
+            <a:endParaRPr lang="es-ES" dirty="0" smtClean="0"/>
+          </a:p>
+          <a:p>
+            <a:pPr lvl="1"/>
+            <a:r>
+              <a:rPr lang="es-ES" dirty="0" smtClean="0">
+                <a:solidFill>
+                  <a:schemeClr val="accent1"/>
+                </a:solidFill>
+              </a:rPr>
+              <a:t>Equipo</a:t>
+            </a:r>
+            <a:r>
+              <a:rPr lang="es-ES" dirty="0" smtClean="0"/>
+              <a:t>: Cámara </a:t>
+            </a:r>
+            <a:r>
+              <a:rPr lang="es-ES" dirty="0" smtClean="0"/>
+              <a:t>térmica, cámara estándar, computadores , telemetría y sensores meteorológicos</a:t>
+            </a:r>
+            <a:endParaRPr lang="es-ES" dirty="0" smtClean="0"/>
+          </a:p>
+          <a:p>
+            <a:pPr lvl="1"/>
+            <a:r>
+              <a:rPr lang="es-ES" dirty="0" smtClean="0">
+                <a:solidFill>
+                  <a:schemeClr val="accent1"/>
+                </a:solidFill>
+              </a:rPr>
+              <a:t>Coste</a:t>
+            </a:r>
+            <a:r>
+              <a:rPr lang="es-ES" dirty="0" smtClean="0"/>
+              <a:t>: 5000€ </a:t>
+            </a:r>
+            <a:endParaRPr lang="es-ES" dirty="0" smtClean="0">
+              <a:solidFill>
+                <a:schemeClr val="accent1"/>
+              </a:solidFill>
+            </a:endParaRPr>
+          </a:p>
+          <a:p>
+            <a:r>
+              <a:rPr lang="es-ES" b="1" dirty="0" smtClean="0">
+                <a:solidFill>
+                  <a:schemeClr val="accent1"/>
+                </a:solidFill>
+              </a:rPr>
+              <a:t>Analizadores</a:t>
+            </a:r>
+            <a:r>
+              <a:rPr lang="es-ES" dirty="0" smtClean="0"/>
+              <a:t>:</a:t>
+            </a:r>
+          </a:p>
+          <a:p>
+            <a:pPr lvl="1"/>
+            <a:r>
+              <a:rPr lang="es-ES" dirty="0" smtClean="0">
+                <a:solidFill>
+                  <a:schemeClr val="accent1"/>
+                </a:solidFill>
+              </a:rPr>
+              <a:t>Tipo</a:t>
+            </a:r>
+            <a:r>
+              <a:rPr lang="es-ES" dirty="0" smtClean="0"/>
+              <a:t>: Multicópteros </a:t>
+            </a:r>
+            <a:endParaRPr lang="es-ES" dirty="0" smtClean="0"/>
+          </a:p>
+          <a:p>
+            <a:pPr lvl="1"/>
+            <a:r>
+              <a:rPr lang="es-ES" dirty="0" smtClean="0">
+                <a:solidFill>
+                  <a:schemeClr val="accent1"/>
+                </a:solidFill>
+              </a:rPr>
+              <a:t>Autonomía</a:t>
+            </a:r>
+            <a:r>
+              <a:rPr lang="es-ES" dirty="0" smtClean="0"/>
+              <a:t>: 1h / 25km</a:t>
+            </a:r>
+            <a:endParaRPr lang="es-ES" dirty="0" smtClean="0"/>
+          </a:p>
+          <a:p>
+            <a:pPr lvl="1"/>
+            <a:r>
+              <a:rPr lang="es-ES" dirty="0" smtClean="0">
+                <a:solidFill>
+                  <a:schemeClr val="accent1"/>
+                </a:solidFill>
+              </a:rPr>
+              <a:t>Equipo</a:t>
+            </a:r>
+            <a:r>
+              <a:rPr lang="es-ES" dirty="0"/>
+              <a:t>: </a:t>
+            </a:r>
+            <a:r>
+              <a:rPr lang="es-ES" dirty="0" smtClean="0"/>
+              <a:t>Cámara estándar, computadores, telemetría y </a:t>
+            </a:r>
+            <a:r>
+              <a:rPr lang="es-ES" dirty="0" err="1" smtClean="0"/>
+              <a:t>altoavoces</a:t>
+            </a:r>
+            <a:r>
+              <a:rPr lang="es-ES" dirty="0"/>
+              <a:t>.</a:t>
+            </a:r>
+            <a:endParaRPr lang="es-ES" dirty="0" smtClean="0"/>
+          </a:p>
+          <a:p>
+            <a:pPr lvl="1"/>
+            <a:r>
+              <a:rPr lang="es-ES" dirty="0" smtClean="0">
+                <a:solidFill>
+                  <a:schemeClr val="accent1"/>
+                </a:solidFill>
+              </a:rPr>
+              <a:t>Coste</a:t>
+            </a:r>
+            <a:r>
+              <a:rPr lang="es-ES" dirty="0" smtClean="0"/>
+              <a:t>: 1000€</a:t>
+            </a:r>
+            <a:endParaRPr lang="es-ES" dirty="0"/>
           </a:p>
         </p:txBody>
       </p:sp>
     </p:spTree>
     <p:extLst>
       <p:ext uri="{BB962C8B-B14F-4D97-AF65-F5344CB8AC3E}">
-        <p14:creationId xmlns:p14="http://schemas.microsoft.com/office/powerpoint/2010/main" val="3689939298"/>
+        <p14:creationId xmlns:p14="http://schemas.microsoft.com/office/powerpoint/2010/main" val="1853760098"/>
       </p:ext>
     </p:extLst>
   </p:cSld>
@@ -4517,7 +4588,7 @@
           <a:p>
             <a:r>
               <a:rPr lang="es-ES" dirty="0" smtClean="0"/>
-              <a:t>Maniobra</a:t>
+              <a:t>Análisis</a:t>
             </a:r>
             <a:endParaRPr lang="es-ES" dirty="0"/>
           </a:p>
@@ -4538,14 +4609,69 @@
           <a:bodyPr/>
           <a:lstStyle/>
           <a:p>
-            <a:endParaRPr lang="en-GB"/>
+            <a:r>
+              <a:rPr lang="en-GB" dirty="0" smtClean="0"/>
+              <a:t>Drone </a:t>
+            </a:r>
+            <a:r>
+              <a:rPr lang="en-GB" dirty="0" err="1" smtClean="0"/>
+              <a:t>pequeño</a:t>
+            </a:r>
+            <a:r>
+              <a:rPr lang="en-GB" dirty="0" smtClean="0"/>
+              <a:t> y </a:t>
+            </a:r>
+            <a:r>
+              <a:rPr lang="en-GB" dirty="0" err="1" smtClean="0"/>
+              <a:t>su</a:t>
+            </a:r>
+            <a:r>
+              <a:rPr lang="en-GB" dirty="0" smtClean="0"/>
+              <a:t> </a:t>
+            </a:r>
+            <a:r>
+              <a:rPr lang="en-GB" dirty="0" err="1" smtClean="0"/>
+              <a:t>labor</a:t>
+            </a:r>
+            <a:endParaRPr lang="en-GB" dirty="0" smtClean="0"/>
+          </a:p>
+          <a:p>
+            <a:r>
+              <a:rPr lang="en-GB" dirty="0" err="1" smtClean="0"/>
+              <a:t>Equipo</a:t>
+            </a:r>
+            <a:r>
+              <a:rPr lang="en-GB" dirty="0" smtClean="0"/>
+              <a:t> de </a:t>
+            </a:r>
+            <a:r>
+              <a:rPr lang="en-GB" dirty="0" err="1" smtClean="0"/>
+              <a:t>tierra</a:t>
+            </a:r>
+            <a:r>
+              <a:rPr lang="en-GB" dirty="0" smtClean="0"/>
+              <a:t>: </a:t>
+            </a:r>
+            <a:r>
+              <a:rPr lang="en-GB" dirty="0" err="1" smtClean="0"/>
+              <a:t>Carteles</a:t>
+            </a:r>
+            <a:r>
+              <a:rPr lang="en-GB" dirty="0" smtClean="0"/>
+              <a:t> y </a:t>
+            </a:r>
+            <a:r>
+              <a:rPr lang="en-GB" dirty="0" err="1" smtClean="0"/>
+              <a:t>mensajes</a:t>
+            </a:r>
+            <a:endParaRPr lang="en-GB" dirty="0"/>
           </a:p>
         </p:txBody>
       </p:sp>
     </p:spTree>
     <p:extLst>
       <p:ext uri="{BB962C8B-B14F-4D97-AF65-F5344CB8AC3E}">
-        <p14:creationId xmlns:p14="http://schemas.microsoft.com/office/powerpoint/2010/main" val="3650543709"/>
+        <p14:creationId xmlns:p14="http://schemas.microsoft.com/office/powerpoint/2010/main" val="3689939298"/>
       </p:ext>
     </p:extLst>
   </p:cSld>
@@ -4596,7 +4722,7 @@
           <a:p>
             <a:r>
               <a:rPr lang="es-ES" dirty="0" smtClean="0"/>
-              <a:t>Rescate</a:t>
+              <a:t>Maniobra</a:t>
             </a:r>
             <a:endParaRPr lang="es-ES" dirty="0"/>
           </a:p>
@@ -4617,20 +4743,89 @@
           <a:bodyPr/>
           <a:lstStyle/>
           <a:p>
-            <a:endParaRPr lang="en-GB"/>
+            <a:r>
+              <a:rPr lang="en-GB" dirty="0" err="1" smtClean="0"/>
+              <a:t>Estara</a:t>
+            </a:r>
+            <a:r>
+              <a:rPr lang="en-GB" dirty="0" smtClean="0"/>
+              <a:t> </a:t>
+            </a:r>
+            <a:r>
+              <a:rPr lang="en-GB" dirty="0" err="1" smtClean="0"/>
+              <a:t>planificada</a:t>
+            </a:r>
+            <a:r>
+              <a:rPr lang="en-GB" dirty="0" smtClean="0"/>
+              <a:t> de </a:t>
+            </a:r>
+            <a:r>
+              <a:rPr lang="en-GB" dirty="0" err="1" smtClean="0"/>
+              <a:t>antemano</a:t>
+            </a:r>
+            <a:r>
+              <a:rPr lang="en-GB" dirty="0" smtClean="0"/>
+              <a:t> </a:t>
+            </a:r>
+            <a:r>
+              <a:rPr lang="en-GB" dirty="0" err="1" smtClean="0"/>
+              <a:t>gracias</a:t>
+            </a:r>
+            <a:r>
+              <a:rPr lang="en-GB" dirty="0" smtClean="0"/>
+              <a:t> al drone </a:t>
+            </a:r>
+            <a:r>
+              <a:rPr lang="en-GB" dirty="0" err="1" smtClean="0"/>
+              <a:t>pequeño</a:t>
+            </a:r>
+            <a:r>
+              <a:rPr lang="en-GB" dirty="0" smtClean="0"/>
+              <a:t>.</a:t>
+            </a:r>
+          </a:p>
+          <a:p>
+            <a:pPr lvl="1"/>
+            <a:r>
+              <a:rPr lang="en-GB" dirty="0" smtClean="0"/>
+              <a:t>Estado </a:t>
+            </a:r>
+            <a:r>
+              <a:rPr lang="en-GB" dirty="0" err="1" smtClean="0"/>
+              <a:t>gente</a:t>
+            </a:r>
+            <a:endParaRPr lang="en-GB" dirty="0" smtClean="0"/>
+          </a:p>
+          <a:p>
+            <a:pPr lvl="1"/>
+            <a:r>
+              <a:rPr lang="en-GB" dirty="0" err="1" smtClean="0"/>
+              <a:t>Tipologia</a:t>
+            </a:r>
+            <a:endParaRPr lang="en-GB" dirty="0" smtClean="0"/>
+          </a:p>
+          <a:p>
+            <a:endParaRPr lang="en-GB" dirty="0"/>
           </a:p>
         </p:txBody>
       </p:sp>
     </p:spTree>
     <p:extLst>
       <p:ext uri="{BB962C8B-B14F-4D97-AF65-F5344CB8AC3E}">
-        <p14:creationId xmlns:p14="http://schemas.microsoft.com/office/powerpoint/2010/main" val="1012151870"/>
+        <p14:creationId xmlns:p14="http://schemas.microsoft.com/office/powerpoint/2010/main" val="3650543709"/>
       </p:ext>
     </p:extLst>
   </p:cSld>
   <p:clrMapOvr>
     <a:masterClrMapping/>
   </p:clrMapOvr>
+  <p:timing>
+    <p:tnLst>
+      <p:par>
+        <p:cTn id="1" dur="indefinite" restart="never" nodeType="tmRoot"/>
+      </p:par>
+    </p:tnLst>
+  </p:timing>
 </p:sld>
 </file>
 
@@ -4668,6 +4863,205 @@
           <a:p>
             <a:r>
               <a:rPr lang="es-ES" dirty="0" smtClean="0"/>
+              <a:t>Rescate</a:t>
+            </a:r>
+            <a:endParaRPr lang="es-ES" dirty="0"/>
+          </a:p>
+        </p:txBody>
+      </p:sp>
+      <p:sp>
+        <p:nvSpPr>
+          <p:cNvPr id="3" name="Marcador de contenido 2"/>
+          <p:cNvSpPr>
+            <a:spLocks noGrp="1"/>
+          </p:cNvSpPr>
+          <p:nvPr>
+            <p:ph idx="1"/>
+          </p:nvPr>
+        </p:nvSpPr>
+        <p:spPr/>
+        <p:txBody>
+          <a:bodyPr/>
+          <a:lstStyle/>
+          <a:p>
+            <a:r>
+              <a:rPr lang="en-GB" dirty="0" err="1" smtClean="0"/>
+              <a:t>Psicologico</a:t>
+            </a:r>
+            <a:r>
+              <a:rPr lang="en-GB" dirty="0" smtClean="0"/>
+              <a:t> </a:t>
+            </a:r>
+            <a:r>
+              <a:rPr lang="en-GB" dirty="0" err="1" smtClean="0"/>
+              <a:t>mensajes</a:t>
+            </a:r>
+            <a:r>
+              <a:rPr lang="en-GB" dirty="0" smtClean="0"/>
+              <a:t> y </a:t>
+            </a:r>
+            <a:r>
+              <a:rPr lang="en-GB" dirty="0" err="1" smtClean="0"/>
+              <a:t>comunicacion</a:t>
+            </a:r>
+            <a:r>
+              <a:rPr lang="en-GB" dirty="0" smtClean="0"/>
+              <a:t>. </a:t>
+            </a:r>
+          </a:p>
+          <a:p>
+            <a:r>
+              <a:rPr lang="en-GB" dirty="0" err="1" smtClean="0"/>
+              <a:t>Tener</a:t>
+            </a:r>
+            <a:r>
+              <a:rPr lang="en-GB" dirty="0" smtClean="0"/>
+              <a:t> </a:t>
+            </a:r>
+            <a:r>
+              <a:rPr lang="en-GB" dirty="0" err="1" smtClean="0"/>
+              <a:t>en</a:t>
+            </a:r>
+            <a:r>
+              <a:rPr lang="en-GB" dirty="0" smtClean="0"/>
+              <a:t> </a:t>
+            </a:r>
+            <a:r>
+              <a:rPr lang="en-GB" dirty="0" err="1" smtClean="0"/>
+              <a:t>cuenta</a:t>
+            </a:r>
+            <a:r>
+              <a:rPr lang="en-GB" dirty="0" smtClean="0"/>
+              <a:t> </a:t>
+            </a:r>
+            <a:r>
+              <a:rPr lang="en-GB" dirty="0" err="1" smtClean="0"/>
+              <a:t>analfabetos</a:t>
+            </a:r>
+            <a:r>
+              <a:rPr lang="en-GB" dirty="0" smtClean="0"/>
+              <a:t>, </a:t>
+            </a:r>
+            <a:r>
+              <a:rPr lang="en-GB" dirty="0" err="1" smtClean="0"/>
+              <a:t>maniobras</a:t>
+            </a:r>
+            <a:r>
+              <a:rPr lang="en-GB" dirty="0"/>
+              <a:t> </a:t>
+            </a:r>
+            <a:r>
+              <a:rPr lang="en-GB" dirty="0" smtClean="0"/>
+              <a:t>zodiacs o </a:t>
+            </a:r>
+            <a:r>
+              <a:rPr lang="en-GB" dirty="0" err="1" smtClean="0"/>
+              <a:t>barcos</a:t>
+            </a:r>
+            <a:r>
+              <a:rPr lang="en-GB" dirty="0" smtClean="0"/>
+              <a:t> </a:t>
+            </a:r>
+            <a:r>
+              <a:rPr lang="en-GB" dirty="0" err="1" smtClean="0"/>
+              <a:t>grandes</a:t>
+            </a:r>
+            <a:r>
+              <a:rPr lang="en-GB" dirty="0" smtClean="0"/>
+              <a:t> y </a:t>
+            </a:r>
+            <a:r>
+              <a:rPr lang="en-GB" dirty="0" err="1" smtClean="0"/>
+              <a:t>lanchas</a:t>
+            </a:r>
+            <a:r>
+              <a:rPr lang="en-GB" dirty="0" smtClean="0"/>
+              <a:t>.</a:t>
+            </a:r>
+          </a:p>
+          <a:p>
+            <a:r>
+              <a:rPr lang="en-GB" dirty="0" err="1" smtClean="0"/>
+              <a:t>Hardwae</a:t>
+            </a:r>
+            <a:r>
+              <a:rPr lang="en-GB" dirty="0" smtClean="0"/>
+              <a:t> </a:t>
+            </a:r>
+            <a:r>
+              <a:rPr lang="en-GB" dirty="0" err="1" smtClean="0"/>
+              <a:t>barcos</a:t>
+            </a:r>
+            <a:r>
+              <a:rPr lang="en-GB" dirty="0" smtClean="0"/>
+              <a:t>: </a:t>
+            </a:r>
+            <a:r>
+              <a:rPr lang="en-GB" dirty="0" err="1" smtClean="0"/>
+              <a:t>Polispastos</a:t>
+            </a:r>
+            <a:r>
+              <a:rPr lang="en-GB" dirty="0" smtClean="0"/>
+              <a:t>, </a:t>
+            </a:r>
+            <a:r>
+              <a:rPr lang="en-GB" dirty="0" err="1" smtClean="0"/>
+              <a:t>redes</a:t>
+            </a:r>
+            <a:r>
+              <a:rPr lang="en-GB" dirty="0" smtClean="0"/>
+              <a:t>,…</a:t>
+            </a:r>
+          </a:p>
+        </p:txBody>
+      </p:sp>
+    </p:spTree>
+    <p:extLst>
+      <p:ext uri="{BB962C8B-B14F-4D97-AF65-F5344CB8AC3E}">
+        <p14:creationId xmlns:p14="http://schemas.microsoft.com/office/powerpoint/2010/main" val="1012151870"/>
+      </p:ext>
+    </p:extLst>
+  </p:cSld>
+  <p:clrMapOvr>
+    <a:masterClrMapping/>
+  </p:clrMapOvr>
+</p:sld>
+</file>
+
+<file path=ppt/slides/slide8.xml><?xml version="1.0" encoding="utf-8"?>
+<p:sld xmlns:a="http://schemas.openxmlformats.org/drawingml/2006/main" xmlns:r="http://schemas.openxmlformats.org/officeDocument/2006/relationships" xmlns:p="http://schemas.openxmlformats.org/presentationml/2006/main">
+  <p:cSld>
+    <p:spTree>
+      <p:nvGrpSpPr>
+        <p:cNvPr id="1" name=""/>
+        <p:cNvGrpSpPr/>
+        <p:nvPr/>
+      </p:nvGrpSpPr>
+      <p:grpSpPr>
+        <a:xfrm>
+          <a:off x="0" y="0"/>
+          <a:ext cx="0" cy="0"/>
+          <a:chOff x="0" y="0"/>
+          <a:chExt cx="0" cy="0"/>
+        </a:xfrm>
+      </p:grpSpPr>
+      <p:sp>
+        <p:nvSpPr>
+          <p:cNvPr id="2" name="Título 1"/>
+          <p:cNvSpPr>
+            <a:spLocks noGrp="1"/>
+          </p:cNvSpPr>
+          <p:nvPr>
+            <p:ph type="title"/>
+          </p:nvPr>
+        </p:nvSpPr>
+        <p:spPr/>
+        <p:txBody>
+          <a:bodyPr/>
+          <a:lstStyle/>
+          <a:p>
+            <a:r>
+              <a:rPr lang="es-ES" dirty="0" smtClean="0"/>
               <a:t>Regreso</a:t>
             </a:r>
             <a:endParaRPr lang="es-ES" dirty="0"/>
@@ -4689,7 +5083,75 @@
           <a:bodyPr/>
           <a:lstStyle/>
           <a:p>
-            <a:endParaRPr lang="en-GB"/>
+            <a:r>
+              <a:rPr lang="en-GB" dirty="0" err="1" smtClean="0"/>
+              <a:t>Mensajes</a:t>
+            </a:r>
+            <a:r>
+              <a:rPr lang="en-GB" dirty="0" smtClean="0"/>
+              <a:t> </a:t>
+            </a:r>
+            <a:r>
+              <a:rPr lang="en-GB" dirty="0" err="1" smtClean="0"/>
+              <a:t>orales</a:t>
+            </a:r>
+            <a:r>
+              <a:rPr lang="en-GB" dirty="0" smtClean="0"/>
+              <a:t> y </a:t>
+            </a:r>
+            <a:r>
+              <a:rPr lang="en-GB" dirty="0" err="1" smtClean="0"/>
+              <a:t>gestuales</a:t>
+            </a:r>
+            <a:r>
+              <a:rPr lang="en-GB" dirty="0" smtClean="0"/>
+              <a:t>.</a:t>
+            </a:r>
+          </a:p>
+          <a:p>
+            <a:r>
+              <a:rPr lang="en-GB" dirty="0" err="1" smtClean="0"/>
+              <a:t>Alimentacion</a:t>
+            </a:r>
+            <a:r>
+              <a:rPr lang="en-GB" dirty="0" smtClean="0"/>
+              <a:t>, </a:t>
+            </a:r>
+            <a:r>
+              <a:rPr lang="en-GB" dirty="0" err="1" smtClean="0"/>
+              <a:t>primeros</a:t>
+            </a:r>
+            <a:r>
+              <a:rPr lang="en-GB" dirty="0" smtClean="0"/>
+              <a:t> </a:t>
+            </a:r>
+            <a:r>
+              <a:rPr lang="en-GB" dirty="0" err="1" smtClean="0"/>
+              <a:t>auxilios</a:t>
+            </a:r>
+            <a:r>
+              <a:rPr lang="en-GB" dirty="0" smtClean="0"/>
+              <a:t>,…</a:t>
+            </a:r>
+          </a:p>
+          <a:p>
+            <a:r>
+              <a:rPr lang="en-GB" dirty="0" err="1" smtClean="0"/>
+              <a:t>Iconogramas</a:t>
+            </a:r>
+            <a:r>
+              <a:rPr lang="en-GB" dirty="0" smtClean="0"/>
+              <a:t> </a:t>
+            </a:r>
+            <a:r>
+              <a:rPr lang="en-GB" dirty="0" err="1" smtClean="0"/>
+              <a:t>explicativos</a:t>
+            </a:r>
+            <a:r>
+              <a:rPr lang="en-GB" dirty="0" smtClean="0"/>
+              <a:t>.</a:t>
+            </a:r>
+            <a:endParaRPr lang="en-GB" dirty="0"/>
           </a:p>
         </p:txBody>
       </p:sp>
@@ -4697,6 +5159,133 @@
     <p:extLst>
       <p:ext uri="{BB962C8B-B14F-4D97-AF65-F5344CB8AC3E}">
         <p14:creationId xmlns:p14="http://schemas.microsoft.com/office/powerpoint/2010/main" val="2428394595"/>
+      </p:ext>
+    </p:extLst>
+  </p:cSld>
+  <p:clrMapOvr>
+    <a:masterClrMapping/>
+  </p:clrMapOvr>
+</p:sld>
+</file>
+
+<file path=ppt/slides/slide9.xml><?xml version="1.0" encoding="utf-8"?>
+<p:sld xmlns:a="http://schemas.openxmlformats.org/drawingml/2006/main" xmlns:r="http://schemas.openxmlformats.org/officeDocument/2006/relationships" xmlns:p="http://schemas.openxmlformats.org/presentationml/2006/main">
+  <p:cSld>
+    <p:spTree>
+      <p:nvGrpSpPr>
+        <p:cNvPr id="1" name=""/>
+        <p:cNvGrpSpPr/>
+        <p:nvPr/>
+      </p:nvGrpSpPr>
+      <p:grpSpPr>
+        <a:xfrm>
+          <a:off x="0" y="0"/>
+          <a:ext cx="0" cy="0"/>
+          <a:chOff x="0" y="0"/>
+          <a:chExt cx="0" cy="0"/>
+        </a:xfrm>
+      </p:grpSpPr>
+      <p:sp>
+        <p:nvSpPr>
+          <p:cNvPr id="2" name="Título 1"/>
+          <p:cNvSpPr>
+            <a:spLocks noGrp="1"/>
+          </p:cNvSpPr>
+          <p:nvPr>
+            <p:ph type="title"/>
+          </p:nvPr>
+        </p:nvSpPr>
+        <p:spPr/>
+        <p:txBody>
+          <a:bodyPr/>
+          <a:lstStyle/>
+          <a:p>
+            <a:r>
+              <a:rPr lang="es-ES" dirty="0" smtClean="0"/>
+              <a:t>Integración</a:t>
+            </a:r>
+            <a:endParaRPr lang="es-ES" dirty="0"/>
+          </a:p>
+        </p:txBody>
+      </p:sp>
+      <p:sp>
+        <p:nvSpPr>
+          <p:cNvPr id="3" name="Marcador de contenido 2"/>
+          <p:cNvSpPr>
+            <a:spLocks noGrp="1"/>
+          </p:cNvSpPr>
+          <p:nvPr>
+            <p:ph idx="1"/>
+          </p:nvPr>
+        </p:nvSpPr>
+        <p:spPr/>
+        <p:txBody>
+          <a:bodyPr/>
+          <a:lstStyle/>
+          <a:p>
+            <a:r>
+              <a:rPr lang="en-GB" dirty="0" err="1" smtClean="0"/>
+              <a:t>Informes</a:t>
+            </a:r>
+            <a:r>
+              <a:rPr lang="en-GB" dirty="0" smtClean="0"/>
+              <a:t> </a:t>
+            </a:r>
+            <a:r>
+              <a:rPr lang="en-GB" dirty="0" err="1" smtClean="0"/>
+              <a:t>integración</a:t>
+            </a:r>
+            <a:endParaRPr lang="en-GB" dirty="0" smtClean="0"/>
+          </a:p>
+          <a:p>
+            <a:r>
+              <a:rPr lang="en-GB" dirty="0" err="1" smtClean="0"/>
+              <a:t>Publicidad</a:t>
+            </a:r>
+            <a:r>
+              <a:rPr lang="en-GB" dirty="0" smtClean="0"/>
+              <a:t> </a:t>
+            </a:r>
+            <a:r>
+              <a:rPr lang="en-GB" dirty="0" err="1" smtClean="0"/>
+              <a:t>en</a:t>
+            </a:r>
+            <a:r>
+              <a:rPr lang="en-GB" dirty="0" smtClean="0"/>
+              <a:t> internet, </a:t>
+            </a:r>
+            <a:r>
+              <a:rPr lang="en-GB" dirty="0" err="1" smtClean="0"/>
+              <a:t>salidas</a:t>
+            </a:r>
+            <a:r>
+              <a:rPr lang="en-GB" dirty="0" smtClean="0"/>
+              <a:t> </a:t>
+            </a:r>
+            <a:r>
+              <a:rPr lang="en-GB" dirty="0" err="1" smtClean="0"/>
+              <a:t>profesionales</a:t>
+            </a:r>
+            <a:r>
+              <a:rPr lang="en-GB" dirty="0" smtClean="0"/>
+              <a:t> para </a:t>
+            </a:r>
+            <a:r>
+              <a:rPr lang="en-GB" dirty="0" err="1" smtClean="0"/>
+              <a:t>acogidos</a:t>
+            </a:r>
+            <a:r>
+              <a:rPr lang="en-GB" smtClean="0"/>
+              <a:t>.</a:t>
+            </a:r>
+            <a:endParaRPr lang="en-GB" dirty="0"/>
+          </a:p>
+        </p:txBody>
+      </p:sp>
+    </p:spTree>
+    <p:extLst>
+      <p:ext uri="{BB962C8B-B14F-4D97-AF65-F5344CB8AC3E}">
+        <p14:creationId xmlns:p14="http://schemas.microsoft.com/office/powerpoint/2010/main" val="4160882277"/>
       </p:ext>
     </p:extLst>
   </p:cSld>
